--- a/Algorithm/_____保研岛____Python蓝桥杯/蓝桥杯Python冲刺课_课时3 贪心 & 排序/Python 课时3.pptx
+++ b/Algorithm/_____保研岛____Python蓝桥杯/蓝桥杯Python冲刺课_课时3 贪心 & 排序/Python 课时3.pptx
@@ -20,11 +20,11 @@
     <p:sldId id="264" r:id="rId11"/>
     <p:sldId id="265" r:id="rId12"/>
     <p:sldId id="266" r:id="rId13"/>
-    <p:sldId id="267" r:id="rId14"/>
-    <p:sldId id="268" r:id="rId15"/>
-    <p:sldId id="269" r:id="rId16"/>
-    <p:sldId id="270" r:id="rId17"/>
-    <p:sldId id="271" r:id="rId18"/>
+    <p:sldId id="275" r:id="rId14"/>
+    <p:sldId id="267" r:id="rId15"/>
+    <p:sldId id="268" r:id="rId16"/>
+    <p:sldId id="269" r:id="rId17"/>
+    <p:sldId id="270" r:id="rId18"/>
     <p:sldId id="272" r:id="rId19"/>
     <p:sldId id="273" r:id="rId20"/>
     <p:sldId id="274" r:id="rId21"/>
@@ -361,7 +361,7 @@
           <a:p>
             <a:fld id="{B7268E1E-0E44-426D-905E-8AD9B19D2182}" type="datetimeFigureOut">
               <a:rPr lang="cs-CZ" smtClean="0"/>
-              <a:t>03.03.2025</a:t>
+              <a:t>06.03.2025</a:t>
             </a:fld>
             <a:endParaRPr lang="cs-CZ"/>
           </a:p>
@@ -723,8 +723,8 @@
         </p:nvSpPr>
         <p:spPr>
           <a:xfrm>
-            <a:off x="2857500" y="512763"/>
-            <a:ext cx="3429000" cy="2566987"/>
+            <a:off x="2290763" y="512763"/>
+            <a:ext cx="4562475" cy="2566987"/>
           </a:xfrm>
           <a:prstGeom prst="rect">
             <a:avLst/>
@@ -945,8 +945,8 @@
         </p:nvSpPr>
         <p:spPr>
           <a:xfrm>
-            <a:off x="2857500" y="512763"/>
-            <a:ext cx="3429000" cy="2566987"/>
+            <a:off x="2290763" y="512763"/>
+            <a:ext cx="4562475" cy="2566987"/>
           </a:xfrm>
           <a:prstGeom prst="rect">
             <a:avLst/>
@@ -1167,8 +1167,8 @@
         </p:nvSpPr>
         <p:spPr>
           <a:xfrm>
-            <a:off x="2857500" y="512763"/>
-            <a:ext cx="3429000" cy="2566987"/>
+            <a:off x="2290763" y="512763"/>
+            <a:ext cx="4562475" cy="2566987"/>
           </a:xfrm>
           <a:prstGeom prst="rect">
             <a:avLst/>
@@ -1300,7 +1300,13 @@
   <p:cSld>
     <p:spTree>
       <p:nvGrpSpPr>
-        <p:cNvPr id="1" name=""/>
+        <p:cNvPr id="1" name="">
+          <a:extLst>
+            <a:ext uri="{FF2B5EF4-FFF2-40B4-BE49-F238E27FC236}">
+              <a16:creationId xmlns:a16="http://schemas.microsoft.com/office/drawing/2014/main" id="{6728A586-8924-8FE1-B227-C55FD16427BF}"/>
+            </a:ext>
+          </a:extLst>
+        </p:cNvPr>
         <p:cNvGrpSpPr/>
         <p:nvPr/>
       </p:nvGrpSpPr>
@@ -1314,7 +1320,13 @@
       </p:grpSpPr>
       <p:sp>
         <p:nvSpPr>
-          <p:cNvPr id="2" name="Header Placeholder 1"/>
+          <p:cNvPr id="2" name="Header Placeholder 1">
+            <a:extLst>
+              <a:ext uri="{FF2B5EF4-FFF2-40B4-BE49-F238E27FC236}">
+                <a16:creationId xmlns:a16="http://schemas.microsoft.com/office/drawing/2014/main" id="{F75F3689-7F2D-5AF7-BCDA-86B0830EF173}"/>
+              </a:ext>
+            </a:extLst>
+          </p:cNvPr>
           <p:cNvSpPr>
             <a:spLocks noGrp="1"/>
           </p:cNvSpPr>
@@ -1345,7 +1357,13 @@
       </p:sp>
       <p:sp>
         <p:nvSpPr>
-          <p:cNvPr id="3" name="Date Placeholder 2"/>
+          <p:cNvPr id="3" name="Date Placeholder 2">
+            <a:extLst>
+              <a:ext uri="{FF2B5EF4-FFF2-40B4-BE49-F238E27FC236}">
+                <a16:creationId xmlns:a16="http://schemas.microsoft.com/office/drawing/2014/main" id="{3018E869-A9D4-8C28-4B2F-7872E1D27185}"/>
+              </a:ext>
+            </a:extLst>
+          </p:cNvPr>
           <p:cNvSpPr>
             <a:spLocks noGrp="1"/>
           </p:cNvSpPr>
@@ -1379,7 +1397,13 @@
       </p:sp>
       <p:sp>
         <p:nvSpPr>
-          <p:cNvPr id="4" name="Slide Image Placeholder 3"/>
+          <p:cNvPr id="4" name="Slide Image Placeholder 3">
+            <a:extLst>
+              <a:ext uri="{FF2B5EF4-FFF2-40B4-BE49-F238E27FC236}">
+                <a16:creationId xmlns:a16="http://schemas.microsoft.com/office/drawing/2014/main" id="{47792B8A-EFC1-19A5-B2AE-F727659FDD9C}"/>
+              </a:ext>
+            </a:extLst>
+          </p:cNvPr>
           <p:cNvSpPr>
             <a:spLocks noGrp="1" noRot="1" noChangeAspect="1"/>
           </p:cNvSpPr>
@@ -1389,8 +1413,8 @@
         </p:nvSpPr>
         <p:spPr>
           <a:xfrm>
-            <a:off x="2857500" y="512763"/>
-            <a:ext cx="3429000" cy="2566987"/>
+            <a:off x="2290763" y="512763"/>
+            <a:ext cx="4562475" cy="2566987"/>
           </a:xfrm>
           <a:prstGeom prst="rect">
             <a:avLst/>
@@ -1412,7 +1436,13 @@
       </p:sp>
       <p:sp>
         <p:nvSpPr>
-          <p:cNvPr id="5" name="Notes Placeholder 4"/>
+          <p:cNvPr id="5" name="Notes Placeholder 4">
+            <a:extLst>
+              <a:ext uri="{FF2B5EF4-FFF2-40B4-BE49-F238E27FC236}">
+                <a16:creationId xmlns:a16="http://schemas.microsoft.com/office/drawing/2014/main" id="{FDCFAF4F-D278-2468-4659-A41C6A666049}"/>
+              </a:ext>
+            </a:extLst>
+          </p:cNvPr>
           <p:cNvSpPr>
             <a:spLocks noGrp="1"/>
           </p:cNvSpPr>
@@ -1446,7 +1476,13 @@
       </p:sp>
       <p:sp>
         <p:nvSpPr>
-          <p:cNvPr id="6" name="Footer Placeholder 5"/>
+          <p:cNvPr id="6" name="Footer Placeholder 5">
+            <a:extLst>
+              <a:ext uri="{FF2B5EF4-FFF2-40B4-BE49-F238E27FC236}">
+                <a16:creationId xmlns:a16="http://schemas.microsoft.com/office/drawing/2014/main" id="{EE05185B-0EB0-CE46-89A4-90DDFE34AE27}"/>
+              </a:ext>
+            </a:extLst>
+          </p:cNvPr>
           <p:cNvSpPr>
             <a:spLocks noGrp="1"/>
           </p:cNvSpPr>
@@ -1477,7 +1513,13 @@
       </p:sp>
       <p:sp>
         <p:nvSpPr>
-          <p:cNvPr id="7" name="Slide Number Placeholder 6"/>
+          <p:cNvPr id="7" name="Slide Number Placeholder 6">
+            <a:extLst>
+              <a:ext uri="{FF2B5EF4-FFF2-40B4-BE49-F238E27FC236}">
+                <a16:creationId xmlns:a16="http://schemas.microsoft.com/office/drawing/2014/main" id="{359CFB49-ABAC-6844-1B79-C5ACB98C9B66}"/>
+              </a:ext>
+            </a:extLst>
+          </p:cNvPr>
           <p:cNvSpPr>
             <a:spLocks noGrp="1"/>
           </p:cNvSpPr>
@@ -1510,6 +1552,11 @@
         </p:txBody>
       </p:sp>
     </p:spTree>
+    <p:extLst>
+      <p:ext uri="{BB962C8B-B14F-4D97-AF65-F5344CB8AC3E}">
+        <p14:creationId xmlns:p14="http://schemas.microsoft.com/office/powerpoint/2010/main" val="818629828"/>
+      </p:ext>
+    </p:extLst>
   </p:cSld>
   <p:clrMapOvr>
     <a:masterClrMapping/>
@@ -1611,8 +1658,8 @@
         </p:nvSpPr>
         <p:spPr>
           <a:xfrm>
-            <a:off x="2857500" y="512763"/>
-            <a:ext cx="3429000" cy="2566987"/>
+            <a:off x="2290763" y="512763"/>
+            <a:ext cx="4562475" cy="2566987"/>
           </a:xfrm>
           <a:prstGeom prst="rect">
             <a:avLst/>
@@ -1833,8 +1880,8 @@
         </p:nvSpPr>
         <p:spPr>
           <a:xfrm>
-            <a:off x="2857500" y="512763"/>
-            <a:ext cx="3429000" cy="2566987"/>
+            <a:off x="2290763" y="512763"/>
+            <a:ext cx="4562475" cy="2566987"/>
           </a:xfrm>
           <a:prstGeom prst="rect">
             <a:avLst/>
@@ -2055,8 +2102,8 @@
         </p:nvSpPr>
         <p:spPr>
           <a:xfrm>
-            <a:off x="2857500" y="512763"/>
-            <a:ext cx="3429000" cy="2566987"/>
+            <a:off x="2290763" y="512763"/>
+            <a:ext cx="4562475" cy="2566987"/>
           </a:xfrm>
           <a:prstGeom prst="rect">
             <a:avLst/>
@@ -2277,8 +2324,8 @@
         </p:nvSpPr>
         <p:spPr>
           <a:xfrm>
-            <a:off x="2857500" y="512763"/>
-            <a:ext cx="3429000" cy="2566987"/>
+            <a:off x="2290763" y="512763"/>
+            <a:ext cx="4562475" cy="2566987"/>
           </a:xfrm>
           <a:prstGeom prst="rect">
             <a:avLst/>
@@ -2499,8 +2546,8 @@
         </p:nvSpPr>
         <p:spPr>
           <a:xfrm>
-            <a:off x="2857500" y="512763"/>
-            <a:ext cx="3429000" cy="2566987"/>
+            <a:off x="2290763" y="512763"/>
+            <a:ext cx="4562475" cy="2566987"/>
           </a:xfrm>
           <a:prstGeom prst="rect">
             <a:avLst/>
@@ -2721,8 +2768,8 @@
         </p:nvSpPr>
         <p:spPr>
           <a:xfrm>
-            <a:off x="2857500" y="512763"/>
-            <a:ext cx="3429000" cy="2566987"/>
+            <a:off x="2290763" y="512763"/>
+            <a:ext cx="4562475" cy="2566987"/>
           </a:xfrm>
           <a:prstGeom prst="rect">
             <a:avLst/>
@@ -2943,8 +2990,8 @@
         </p:nvSpPr>
         <p:spPr>
           <a:xfrm>
-            <a:off x="2857500" y="512763"/>
-            <a:ext cx="3429000" cy="2566987"/>
+            <a:off x="2290763" y="512763"/>
+            <a:ext cx="4562475" cy="2566987"/>
           </a:xfrm>
           <a:prstGeom prst="rect">
             <a:avLst/>
@@ -3387,8 +3434,8 @@
         </p:nvSpPr>
         <p:spPr>
           <a:xfrm>
-            <a:off x="2857500" y="512763"/>
-            <a:ext cx="3429000" cy="2566987"/>
+            <a:off x="2290763" y="512763"/>
+            <a:ext cx="4562475" cy="2566987"/>
           </a:xfrm>
           <a:prstGeom prst="rect">
             <a:avLst/>
@@ -3609,8 +3656,8 @@
         </p:nvSpPr>
         <p:spPr>
           <a:xfrm>
-            <a:off x="2857500" y="512763"/>
-            <a:ext cx="3429000" cy="2566987"/>
+            <a:off x="2290763" y="512763"/>
+            <a:ext cx="4562475" cy="2566987"/>
           </a:xfrm>
           <a:prstGeom prst="rect">
             <a:avLst/>
@@ -3831,8 +3878,8 @@
         </p:nvSpPr>
         <p:spPr>
           <a:xfrm>
-            <a:off x="2857500" y="512763"/>
-            <a:ext cx="3429000" cy="2566987"/>
+            <a:off x="2290763" y="512763"/>
+            <a:ext cx="4562475" cy="2566987"/>
           </a:xfrm>
           <a:prstGeom prst="rect">
             <a:avLst/>
@@ -4275,8 +4322,8 @@
         </p:nvSpPr>
         <p:spPr>
           <a:xfrm>
-            <a:off x="2857500" y="512763"/>
-            <a:ext cx="3429000" cy="2566987"/>
+            <a:off x="2290763" y="512763"/>
+            <a:ext cx="4562475" cy="2566987"/>
           </a:xfrm>
           <a:prstGeom prst="rect">
             <a:avLst/>
@@ -4719,8 +4766,8 @@
         </p:nvSpPr>
         <p:spPr>
           <a:xfrm>
-            <a:off x="2857500" y="512763"/>
-            <a:ext cx="3429000" cy="2566987"/>
+            <a:off x="2290763" y="512763"/>
+            <a:ext cx="4562475" cy="2566987"/>
           </a:xfrm>
           <a:prstGeom prst="rect">
             <a:avLst/>
@@ -18621,6 +18668,40 @@
           <a:chExt cx="0" cy="0"/>
         </a:xfrm>
       </p:grpSpPr>
+      <p:pic>
+        <p:nvPicPr>
+          <p:cNvPr id="3" name="Picture 2">
+            <a:extLst>
+              <a:ext uri="{FF2B5EF4-FFF2-40B4-BE49-F238E27FC236}">
+                <a16:creationId xmlns:a16="http://schemas.microsoft.com/office/drawing/2014/main" id="{6C9E7897-D404-400B-33C7-2FB235255166}"/>
+              </a:ext>
+            </a:extLst>
+          </p:cNvPr>
+          <p:cNvPicPr>
+            <a:picLocks noChangeAspect="1"/>
+          </p:cNvPicPr>
+          <p:nvPr/>
+        </p:nvPicPr>
+        <p:blipFill>
+          <a:blip r:embed="rId3"/>
+          <a:stretch>
+            <a:fillRect/>
+          </a:stretch>
+        </p:blipFill>
+        <p:spPr>
+          <a:xfrm>
+            <a:off x="0" y="0"/>
+            <a:ext cx="12192000" cy="6858000"/>
+          </a:xfrm>
+          <a:prstGeom prst="rect">
+            <a:avLst/>
+          </a:prstGeom>
+          <a:ln>
+            <a:noFill/>
+            <a:prstDash val="solid"/>
+          </a:ln>
+        </p:spPr>
+      </p:pic>
       <p:sp>
         <p:nvSpPr>
           <p:cNvPr id="2" name="AutoShape 2"/>
@@ -18629,8 +18710,8 @@
         </p:nvSpPr>
         <p:spPr>
           <a:xfrm>
-            <a:off x="751404" y="2438400"/>
-            <a:ext cx="11087100" cy="1981200"/>
+            <a:off x="113229" y="1609725"/>
+            <a:ext cx="6363771" cy="2971800"/>
           </a:xfrm>
           <a:prstGeom prst="rect">
             <a:avLst/>
@@ -18654,7 +18735,7 @@
               <a:defRPr/>
             </a:pPr>
             <a:r>
-              <a:rPr lang="en-US" sz="5200" b="1" i="0" u="none" strike="noStrike">
+              <a:rPr lang="en-US" sz="5200" b="1" i="0" u="none" strike="noStrike" dirty="0">
                 <a:solidFill>
                   <a:srgbClr val="000000"/>
                 </a:solidFill>
@@ -18663,18 +18744,10 @@
                 <a:cs typeface="Noto Sans SC"/>
                 <a:sym typeface="Noto Sans SC"/>
               </a:rPr>
-              <a:t>蓝桥杯16届Python冲刺课：课时3</a:t>
+              <a:t>蓝桥杯16届Python冲刺课：贪心 &amp; </a:t>
             </a:r>
-            <a:endParaRPr lang="en-US" sz="1100"/>
-          </a:p>
-          <a:p>
-            <a:pPr indent="0" algn="ctr">
-              <a:lnSpc>
-                <a:spcPct val="125000"/>
-              </a:lnSpc>
-            </a:pPr>
             <a:r>
-              <a:rPr lang="en-US" sz="5200" b="1" i="0" u="none" strike="noStrike">
+              <a:rPr lang="en-US" sz="5200" b="1" i="0" u="none" strike="noStrike" dirty="0" err="1">
                 <a:solidFill>
                   <a:srgbClr val="000000"/>
                 </a:solidFill>
@@ -18683,8 +18756,17 @@
                 <a:cs typeface="Noto Sans SC"/>
                 <a:sym typeface="Noto Sans SC"/>
               </a:rPr>
-              <a:t>贪心 &amp; 排序</a:t>
+              <a:t>排序</a:t>
             </a:r>
+            <a:endParaRPr lang="en-US" sz="5200" b="1" i="0" u="none" strike="noStrike" dirty="0">
+              <a:solidFill>
+                <a:srgbClr val="000000"/>
+              </a:solidFill>
+              <a:latin typeface="Noto Sans SC"/>
+              <a:ea typeface="Noto Sans SC"/>
+              <a:cs typeface="Noto Sans SC"/>
+              <a:sym typeface="Noto Sans SC"/>
+            </a:endParaRPr>
           </a:p>
         </p:txBody>
       </p:sp>
@@ -18746,7 +18828,7 @@
               <a:defRPr/>
             </a:pPr>
             <a:r>
-              <a:rPr lang="en-US" sz="4100" b="1" i="0" u="none" strike="noStrike">
+              <a:rPr lang="en-US" sz="4100" b="1" i="0" u="none" strike="noStrike" dirty="0" err="1">
                 <a:solidFill>
                   <a:srgbClr val="000000"/>
                 </a:solidFill>
@@ -18755,9 +18837,33 @@
                 <a:cs typeface="Noto Sans SC"/>
                 <a:sym typeface="Noto Sans SC"/>
               </a:rPr>
-              <a:t>课时3.贪心 &amp; 排序</a:t>
+              <a:t>贪心</a:t>
             </a:r>
-            <a:endParaRPr lang="en-US" sz="1100"/>
+            <a:r>
+              <a:rPr lang="en-US" sz="4100" b="1" i="0" u="none" strike="noStrike" dirty="0">
+                <a:solidFill>
+                  <a:srgbClr val="000000"/>
+                </a:solidFill>
+                <a:latin typeface="Noto Sans SC"/>
+                <a:ea typeface="Noto Sans SC"/>
+                <a:cs typeface="Noto Sans SC"/>
+                <a:sym typeface="Noto Sans SC"/>
+              </a:rPr>
+              <a:t> &amp; </a:t>
+            </a:r>
+            <a:r>
+              <a:rPr lang="en-US" sz="4100" b="1" i="0" u="none" strike="noStrike" dirty="0" err="1">
+                <a:solidFill>
+                  <a:srgbClr val="000000"/>
+                </a:solidFill>
+                <a:latin typeface="Noto Sans SC"/>
+                <a:ea typeface="Noto Sans SC"/>
+                <a:cs typeface="Noto Sans SC"/>
+                <a:sym typeface="Noto Sans SC"/>
+              </a:rPr>
+              <a:t>排序</a:t>
+            </a:r>
+            <a:endParaRPr lang="en-US" sz="1100" dirty="0"/>
           </a:p>
         </p:txBody>
       </p:sp>
@@ -18923,7 +19029,7 @@
               <a:defRPr/>
             </a:pPr>
             <a:r>
-              <a:rPr lang="en-US" sz="4100" b="1" i="0" u="none" strike="noStrike">
+              <a:rPr lang="en-US" sz="4100" b="1" i="0" u="none" strike="noStrike" dirty="0" err="1">
                 <a:solidFill>
                   <a:srgbClr val="000000"/>
                 </a:solidFill>
@@ -18932,9 +19038,33 @@
                 <a:cs typeface="Noto Sans SC"/>
                 <a:sym typeface="Noto Sans SC"/>
               </a:rPr>
-              <a:t>课时3.贪心 &amp; 排序</a:t>
+              <a:t>贪心</a:t>
             </a:r>
-            <a:endParaRPr lang="en-US" sz="1100"/>
+            <a:r>
+              <a:rPr lang="en-US" sz="4100" b="1" i="0" u="none" strike="noStrike" dirty="0">
+                <a:solidFill>
+                  <a:srgbClr val="000000"/>
+                </a:solidFill>
+                <a:latin typeface="Noto Sans SC"/>
+                <a:ea typeface="Noto Sans SC"/>
+                <a:cs typeface="Noto Sans SC"/>
+                <a:sym typeface="Noto Sans SC"/>
+              </a:rPr>
+              <a:t> &amp; </a:t>
+            </a:r>
+            <a:r>
+              <a:rPr lang="en-US" sz="4100" b="1" i="0" u="none" strike="noStrike" dirty="0" err="1">
+                <a:solidFill>
+                  <a:srgbClr val="000000"/>
+                </a:solidFill>
+                <a:latin typeface="Noto Sans SC"/>
+                <a:ea typeface="Noto Sans SC"/>
+                <a:cs typeface="Noto Sans SC"/>
+                <a:sym typeface="Noto Sans SC"/>
+              </a:rPr>
+              <a:t>排序</a:t>
+            </a:r>
+            <a:endParaRPr lang="en-US" sz="1100" dirty="0"/>
           </a:p>
         </p:txBody>
       </p:sp>
@@ -19051,6 +19181,180 @@
 </file>
 
 <file path=ppt/slides/slide12.xml><?xml version="1.0" encoding="utf-8"?>
+<p:sld xmlns:a="http://schemas.openxmlformats.org/drawingml/2006/main" xmlns:r="http://schemas.openxmlformats.org/officeDocument/2006/relationships" xmlns:p="http://schemas.openxmlformats.org/presentationml/2006/main">
+  <p:cSld>
+    <p:spTree>
+      <p:nvGrpSpPr>
+        <p:cNvPr id="1" name="">
+          <a:extLst>
+            <a:ext uri="{FF2B5EF4-FFF2-40B4-BE49-F238E27FC236}">
+              <a16:creationId xmlns:a16="http://schemas.microsoft.com/office/drawing/2014/main" id="{65539278-F69B-B1BC-6EE3-AA265FE94B51}"/>
+            </a:ext>
+          </a:extLst>
+        </p:cNvPr>
+        <p:cNvGrpSpPr/>
+        <p:nvPr/>
+      </p:nvGrpSpPr>
+      <p:grpSpPr>
+        <a:xfrm>
+          <a:off x="0" y="0"/>
+          <a:ext cx="0" cy="0"/>
+          <a:chOff x="0" y="0"/>
+          <a:chExt cx="0" cy="0"/>
+        </a:xfrm>
+      </p:grpSpPr>
+      <p:sp>
+        <p:nvSpPr>
+          <p:cNvPr id="2" name="AutoShape 2">
+            <a:extLst>
+              <a:ext uri="{FF2B5EF4-FFF2-40B4-BE49-F238E27FC236}">
+                <a16:creationId xmlns:a16="http://schemas.microsoft.com/office/drawing/2014/main" id="{47E8F6CE-F264-1233-C701-3467602072AA}"/>
+              </a:ext>
+            </a:extLst>
+          </p:cNvPr>
+          <p:cNvSpPr/>
+          <p:nvPr/>
+        </p:nvSpPr>
+        <p:spPr>
+          <a:xfrm>
+            <a:off x="100339" y="289119"/>
+            <a:ext cx="10858500" cy="774700"/>
+          </a:xfrm>
+          <a:prstGeom prst="rect">
+            <a:avLst/>
+          </a:prstGeom>
+          <a:noFill/>
+          <a:ln w="12700">
+            <a:noFill/>
+            <a:prstDash val="solid"/>
+          </a:ln>
+        </p:spPr>
+        <p:txBody>
+          <a:bodyPr lIns="0" tIns="0" rIns="0" bIns="0" rtlCol="0" anchor="ctr">
+            <a:noAutofit/>
+          </a:bodyPr>
+          <a:lstStyle/>
+          <a:p>
+            <a:pPr indent="0" algn="l">
+              <a:lnSpc>
+                <a:spcPct val="125000"/>
+              </a:lnSpc>
+              <a:defRPr/>
+            </a:pPr>
+            <a:r>
+              <a:rPr lang="en-US" sz="4100" b="1" i="0" u="none" strike="noStrike" dirty="0" err="1">
+                <a:solidFill>
+                  <a:srgbClr val="000000"/>
+                </a:solidFill>
+                <a:latin typeface="Noto Sans SC"/>
+                <a:ea typeface="Noto Sans SC"/>
+                <a:cs typeface="Noto Sans SC"/>
+                <a:sym typeface="Noto Sans SC"/>
+              </a:rPr>
+              <a:t>排序</a:t>
+            </a:r>
+            <a:endParaRPr lang="en-US" sz="1100" dirty="0"/>
+          </a:p>
+        </p:txBody>
+      </p:sp>
+      <p:sp>
+        <p:nvSpPr>
+          <p:cNvPr id="6" name="AutoShape 2">
+            <a:extLst>
+              <a:ext uri="{FF2B5EF4-FFF2-40B4-BE49-F238E27FC236}">
+                <a16:creationId xmlns:a16="http://schemas.microsoft.com/office/drawing/2014/main" id="{4F160E4B-C03D-3865-FAB0-CDFCB465F593}"/>
+              </a:ext>
+            </a:extLst>
+          </p:cNvPr>
+          <p:cNvSpPr/>
+          <p:nvPr/>
+        </p:nvSpPr>
+        <p:spPr>
+          <a:xfrm>
+            <a:off x="1986289" y="222444"/>
+            <a:ext cx="10858500" cy="774700"/>
+          </a:xfrm>
+          <a:prstGeom prst="rect">
+            <a:avLst/>
+          </a:prstGeom>
+          <a:noFill/>
+          <a:ln w="12700">
+            <a:noFill/>
+            <a:prstDash val="solid"/>
+          </a:ln>
+        </p:spPr>
+        <p:txBody>
+          <a:bodyPr lIns="0" tIns="0" rIns="0" bIns="0" rtlCol="0" anchor="ctr">
+            <a:noAutofit/>
+          </a:bodyPr>
+          <a:lstStyle/>
+          <a:p>
+            <a:pPr indent="0" algn="l">
+              <a:lnSpc>
+                <a:spcPct val="125000"/>
+              </a:lnSpc>
+              <a:defRPr/>
+            </a:pPr>
+            <a:r>
+              <a:rPr lang="zh-CN" altLang="en-US" sz="5400" b="1" i="0" u="none" strike="noStrike" dirty="0">
+                <a:solidFill>
+                  <a:srgbClr val="000000"/>
+                </a:solidFill>
+                <a:latin typeface="Noto Sans SC"/>
+                <a:ea typeface="Noto Sans SC"/>
+                <a:cs typeface="Noto Sans SC"/>
+                <a:sym typeface="Noto Sans SC"/>
+              </a:rPr>
+              <a:t>插入排序！</a:t>
+            </a:r>
+            <a:endParaRPr lang="en-US" sz="1600" dirty="0"/>
+          </a:p>
+        </p:txBody>
+      </p:sp>
+      <p:pic>
+        <p:nvPicPr>
+          <p:cNvPr id="8" name="图片 7">
+            <a:extLst>
+              <a:ext uri="{FF2B5EF4-FFF2-40B4-BE49-F238E27FC236}">
+                <a16:creationId xmlns:a16="http://schemas.microsoft.com/office/drawing/2014/main" id="{F62D0EEF-4307-8C91-86D0-41EE68BD412E}"/>
+              </a:ext>
+            </a:extLst>
+          </p:cNvPr>
+          <p:cNvPicPr>
+            <a:picLocks noChangeAspect="1"/>
+          </p:cNvPicPr>
+          <p:nvPr/>
+        </p:nvPicPr>
+        <p:blipFill>
+          <a:blip r:embed="rId3"/>
+          <a:stretch>
+            <a:fillRect/>
+          </a:stretch>
+        </p:blipFill>
+        <p:spPr>
+          <a:xfrm>
+            <a:off x="2358703" y="1330519"/>
+            <a:ext cx="6728147" cy="5402120"/>
+          </a:xfrm>
+          <a:prstGeom prst="rect">
+            <a:avLst/>
+          </a:prstGeom>
+        </p:spPr>
+      </p:pic>
+    </p:spTree>
+    <p:extLst>
+      <p:ext uri="{BB962C8B-B14F-4D97-AF65-F5344CB8AC3E}">
+        <p14:creationId xmlns:p14="http://schemas.microsoft.com/office/powerpoint/2010/main" val="770366107"/>
+      </p:ext>
+    </p:extLst>
+  </p:cSld>
+  <p:clrMapOvr>
+    <a:masterClrMapping/>
+  </p:clrMapOvr>
+</p:sld>
+</file>
+
+<file path=ppt/slides/slide13.xml><?xml version="1.0" encoding="utf-8"?>
 <p:sld xmlns:a="http://schemas.openxmlformats.org/drawingml/2006/main" xmlns:r="http://schemas.openxmlformats.org/officeDocument/2006/relationships" xmlns:p="http://schemas.openxmlformats.org/presentationml/2006/main">
   <p:cSld>
     <p:spTree>
@@ -19100,7 +19404,7 @@
               <a:defRPr/>
             </a:pPr>
             <a:r>
-              <a:rPr lang="en-US" sz="4100" b="1" i="0" u="none" strike="noStrike">
+              <a:rPr lang="en-US" sz="4100" b="1" i="0" u="none" strike="noStrike" dirty="0" err="1">
                 <a:solidFill>
                   <a:srgbClr val="000000"/>
                 </a:solidFill>
@@ -19109,9 +19413,9 @@
                 <a:cs typeface="Noto Sans SC"/>
                 <a:sym typeface="Noto Sans SC"/>
               </a:rPr>
-              <a:t>课时3. 排序</a:t>
+              <a:t>排序</a:t>
             </a:r>
-            <a:endParaRPr lang="en-US" sz="1100"/>
+            <a:endParaRPr lang="en-US" sz="1100" dirty="0"/>
           </a:p>
         </p:txBody>
       </p:sp>
@@ -19246,7 +19550,7 @@
 </p:sld>
 </file>
 
-<file path=ppt/slides/slide13.xml><?xml version="1.0" encoding="utf-8"?>
+<file path=ppt/slides/slide14.xml><?xml version="1.0" encoding="utf-8"?>
 <p:sld xmlns:a="http://schemas.openxmlformats.org/drawingml/2006/main" xmlns:r="http://schemas.openxmlformats.org/officeDocument/2006/relationships" xmlns:p="http://schemas.openxmlformats.org/presentationml/2006/main">
   <p:cSld>
     <p:spTree>
@@ -19296,7 +19600,7 @@
               <a:defRPr/>
             </a:pPr>
             <a:r>
-              <a:rPr lang="en-US" sz="4100" b="1" i="0" u="none" strike="noStrike">
+              <a:rPr lang="en-US" sz="4100" b="1" i="0" u="none" strike="noStrike" dirty="0" err="1">
                 <a:solidFill>
                   <a:srgbClr val="000000"/>
                 </a:solidFill>
@@ -19305,9 +19609,9 @@
                 <a:cs typeface="Noto Sans SC"/>
                 <a:sym typeface="Noto Sans SC"/>
               </a:rPr>
-              <a:t>课时3. 排序</a:t>
+              <a:t>排序</a:t>
             </a:r>
-            <a:endParaRPr lang="en-US" sz="1100"/>
+            <a:endParaRPr lang="en-US" sz="1100" dirty="0"/>
           </a:p>
         </p:txBody>
       </p:sp>
@@ -19414,7 +19718,7 @@
 </p:sld>
 </file>
 
-<file path=ppt/slides/slide14.xml><?xml version="1.0" encoding="utf-8"?>
+<file path=ppt/slides/slide15.xml><?xml version="1.0" encoding="utf-8"?>
 <p:sld xmlns:a="http://schemas.openxmlformats.org/drawingml/2006/main" xmlns:r="http://schemas.openxmlformats.org/officeDocument/2006/relationships" xmlns:p="http://schemas.openxmlformats.org/presentationml/2006/main">
   <p:cSld>
     <p:spTree>
@@ -19464,7 +19768,7 @@
               <a:defRPr/>
             </a:pPr>
             <a:r>
-              <a:rPr lang="en-US" sz="4100" b="1" i="0" u="none" strike="noStrike">
+              <a:rPr lang="en-US" sz="4100" b="1" i="0" u="none" strike="noStrike" dirty="0" err="1">
                 <a:solidFill>
                   <a:srgbClr val="000000"/>
                 </a:solidFill>
@@ -19473,9 +19777,9 @@
                 <a:cs typeface="Noto Sans SC"/>
                 <a:sym typeface="Noto Sans SC"/>
               </a:rPr>
-              <a:t>课时3. 排序</a:t>
+              <a:t>排序</a:t>
             </a:r>
-            <a:endParaRPr lang="en-US" sz="1100"/>
+            <a:endParaRPr lang="en-US" sz="1100" dirty="0"/>
           </a:p>
         </p:txBody>
       </p:sp>
@@ -19582,7 +19886,7 @@
 </p:sld>
 </file>
 
-<file path=ppt/slides/slide15.xml><?xml version="1.0" encoding="utf-8"?>
+<file path=ppt/slides/slide16.xml><?xml version="1.0" encoding="utf-8"?>
 <p:sld xmlns:a="http://schemas.openxmlformats.org/drawingml/2006/main" xmlns:r="http://schemas.openxmlformats.org/officeDocument/2006/relationships" xmlns:p="http://schemas.openxmlformats.org/presentationml/2006/main">
   <p:cSld>
     <p:spTree>
@@ -19632,7 +19936,7 @@
               <a:defRPr/>
             </a:pPr>
             <a:r>
-              <a:rPr lang="en-US" sz="4100" b="1" i="0" u="none" strike="noStrike">
+              <a:rPr lang="en-US" sz="4100" b="1" i="0" u="none" strike="noStrike" dirty="0" err="1">
                 <a:solidFill>
                   <a:srgbClr val="000000"/>
                 </a:solidFill>
@@ -19641,9 +19945,9 @@
                 <a:cs typeface="Noto Sans SC"/>
                 <a:sym typeface="Noto Sans SC"/>
               </a:rPr>
-              <a:t>课时3. 排序</a:t>
+              <a:t>排序</a:t>
             </a:r>
-            <a:endParaRPr lang="en-US" sz="1100"/>
+            <a:endParaRPr lang="en-US" sz="1100" dirty="0"/>
           </a:p>
         </p:txBody>
       </p:sp>
@@ -19750,7 +20054,7 @@
 </p:sld>
 </file>
 
-<file path=ppt/slides/slide16.xml><?xml version="1.0" encoding="utf-8"?>
+<file path=ppt/slides/slide17.xml><?xml version="1.0" encoding="utf-8"?>
 <p:sld xmlns:a="http://schemas.openxmlformats.org/drawingml/2006/main" xmlns:r="http://schemas.openxmlformats.org/officeDocument/2006/relationships" xmlns:p="http://schemas.openxmlformats.org/presentationml/2006/main">
   <p:cSld>
     <p:spTree>
@@ -19800,7 +20104,7 @@
               <a:defRPr/>
             </a:pPr>
             <a:r>
-              <a:rPr lang="en-US" sz="4100" b="1" i="0" u="none" strike="noStrike">
+              <a:rPr lang="en-US" sz="4100" b="1" i="0" u="none" strike="noStrike" dirty="0" err="1">
                 <a:solidFill>
                   <a:srgbClr val="000000"/>
                 </a:solidFill>
@@ -19809,9 +20113,9 @@
                 <a:cs typeface="Noto Sans SC"/>
                 <a:sym typeface="Noto Sans SC"/>
               </a:rPr>
-              <a:t>课时3. 排序</a:t>
+              <a:t>排序</a:t>
             </a:r>
-            <a:endParaRPr lang="en-US" sz="1100"/>
+            <a:endParaRPr lang="en-US" sz="1100" dirty="0"/>
           </a:p>
         </p:txBody>
       </p:sp>
@@ -19882,298 +20186,6 @@
           </a:p>
         </p:txBody>
       </p:sp>
-      <p:sp>
-        <p:nvSpPr>
-          <p:cNvPr id="4" name="AutoShape 4"/>
-          <p:cNvSpPr/>
-          <p:nvPr/>
-        </p:nvSpPr>
-        <p:spPr>
-          <a:xfrm>
-            <a:off x="1479550" y="1748916"/>
-            <a:ext cx="9232900" cy="508000"/>
-          </a:xfrm>
-          <a:prstGeom prst="rect">
-            <a:avLst/>
-          </a:prstGeom>
-          <a:noFill/>
-          <a:ln w="12700">
-            <a:noFill/>
-            <a:prstDash val="solid"/>
-          </a:ln>
-        </p:spPr>
-        <p:txBody>
-          <a:bodyPr lIns="0" tIns="0" rIns="0" bIns="0" rtlCol="0" anchor="ctr">
-            <a:noAutofit/>
-          </a:bodyPr>
-          <a:lstStyle/>
-          <a:p>
-            <a:pPr indent="0" algn="l">
-              <a:lnSpc>
-                <a:spcPct val="125000"/>
-              </a:lnSpc>
-              <a:defRPr/>
-            </a:pPr>
-            <a:r>
-              <a:rPr lang="en-US" sz="2700" b="0" i="0" u="none" strike="noStrike">
-                <a:solidFill>
-                  <a:srgbClr val="1F2329"/>
-                </a:solidFill>
-                <a:latin typeface="Consolas"/>
-                <a:ea typeface="Consolas"/>
-                <a:cs typeface="Consolas"/>
-                <a:sym typeface="Consolas"/>
-              </a:rPr>
-              <a:t>for index, item in enumerate(iterable, start = 0)</a:t>
-            </a:r>
-            <a:endParaRPr lang="en-US" sz="1100"/>
-          </a:p>
-        </p:txBody>
-      </p:sp>
-      <p:pic>
-        <p:nvPicPr>
-          <p:cNvPr id="5" name="Picture 5"/>
-          <p:cNvPicPr>
-            <a:picLocks noChangeAspect="1"/>
-          </p:cNvPicPr>
-          <p:nvPr/>
-        </p:nvPicPr>
-        <p:blipFill>
-          <a:blip r:embed="rId4"/>
-          <a:stretch>
-            <a:fillRect/>
-          </a:stretch>
-        </p:blipFill>
-        <p:spPr>
-          <a:xfrm>
-            <a:off x="4346076" y="3131957"/>
-            <a:ext cx="7845924" cy="2491984"/>
-          </a:xfrm>
-          <a:prstGeom prst="rect">
-            <a:avLst/>
-          </a:prstGeom>
-          <a:ln>
-            <a:noFill/>
-            <a:prstDash val="solid"/>
-          </a:ln>
-        </p:spPr>
-      </p:pic>
-      <p:pic>
-        <p:nvPicPr>
-          <p:cNvPr id="6" name="Picture 6"/>
-          <p:cNvPicPr>
-            <a:picLocks noChangeAspect="1"/>
-          </p:cNvPicPr>
-          <p:nvPr/>
-        </p:nvPicPr>
-        <p:blipFill>
-          <a:blip r:embed="rId5"/>
-          <a:stretch>
-            <a:fillRect/>
-          </a:stretch>
-        </p:blipFill>
-        <p:spPr>
-          <a:xfrm>
-            <a:off x="364454" y="2581838"/>
-            <a:ext cx="3913042" cy="3592222"/>
-          </a:xfrm>
-          <a:prstGeom prst="rect">
-            <a:avLst/>
-          </a:prstGeom>
-          <a:ln>
-            <a:noFill/>
-            <a:prstDash val="solid"/>
-          </a:ln>
-        </p:spPr>
-      </p:pic>
-      <p:sp>
-        <p:nvSpPr>
-          <p:cNvPr id="7" name="AutoShape 7"/>
-          <p:cNvSpPr/>
-          <p:nvPr/>
-        </p:nvSpPr>
-        <p:spPr>
-          <a:xfrm>
-            <a:off x="364454" y="1165067"/>
-            <a:ext cx="11696700" cy="685800"/>
-          </a:xfrm>
-          <a:prstGeom prst="rect">
-            <a:avLst/>
-          </a:prstGeom>
-          <a:noFill/>
-          <a:ln w="12700">
-            <a:noFill/>
-            <a:prstDash val="solid"/>
-          </a:ln>
-        </p:spPr>
-        <p:txBody>
-          <a:bodyPr lIns="0" tIns="0" rIns="0" bIns="0" rtlCol="0" anchor="ctr">
-            <a:noAutofit/>
-          </a:bodyPr>
-          <a:lstStyle/>
-          <a:p>
-            <a:pPr indent="0" algn="l">
-              <a:lnSpc>
-                <a:spcPct val="125000"/>
-              </a:lnSpc>
-              <a:defRPr/>
-            </a:pPr>
-            <a:r>
-              <a:rPr lang="en-US" sz="1800" b="1" i="0" u="none" strike="noStrike">
-                <a:solidFill>
-                  <a:srgbClr val="1F2329"/>
-                </a:solidFill>
-                <a:latin typeface="Noto Sans SC"/>
-                <a:ea typeface="Noto Sans SC"/>
-                <a:cs typeface="Noto Sans SC"/>
-                <a:sym typeface="Noto Sans SC"/>
-              </a:rPr>
-              <a:t>enumerate 是 Python 的内置函数，用于在遍历可迭代对象（如列表、元组、字符串）时，同时获取元素的索引和值，无需手动维护计数器。</a:t>
-            </a:r>
-            <a:endParaRPr lang="en-US" sz="1100"/>
-          </a:p>
-        </p:txBody>
-      </p:sp>
-    </p:spTree>
-  </p:cSld>
-  <p:clrMapOvr>
-    <a:masterClrMapping/>
-  </p:clrMapOvr>
-</p:sld>
-</file>
-
-<file path=ppt/slides/slide17.xml><?xml version="1.0" encoding="utf-8"?>
-<p:sld xmlns:a="http://schemas.openxmlformats.org/drawingml/2006/main" xmlns:r="http://schemas.openxmlformats.org/officeDocument/2006/relationships" xmlns:p="http://schemas.openxmlformats.org/presentationml/2006/main">
-  <p:cSld>
-    <p:spTree>
-      <p:nvGrpSpPr>
-        <p:cNvPr id="1" name=""/>
-        <p:cNvGrpSpPr/>
-        <p:nvPr/>
-      </p:nvGrpSpPr>
-      <p:grpSpPr>
-        <a:xfrm>
-          <a:off x="0" y="0"/>
-          <a:ext cx="0" cy="0"/>
-          <a:chOff x="0" y="0"/>
-          <a:chExt cx="0" cy="0"/>
-        </a:xfrm>
-      </p:grpSpPr>
-      <p:sp>
-        <p:nvSpPr>
-          <p:cNvPr id="2" name="AutoShape 2"/>
-          <p:cNvSpPr/>
-          <p:nvPr/>
-        </p:nvSpPr>
-        <p:spPr>
-          <a:xfrm>
-            <a:off x="100339" y="289119"/>
-            <a:ext cx="10858500" cy="774700"/>
-          </a:xfrm>
-          <a:prstGeom prst="rect">
-            <a:avLst/>
-          </a:prstGeom>
-          <a:noFill/>
-          <a:ln w="12700">
-            <a:noFill/>
-            <a:prstDash val="solid"/>
-          </a:ln>
-        </p:spPr>
-        <p:txBody>
-          <a:bodyPr lIns="0" tIns="0" rIns="0" bIns="0" rtlCol="0" anchor="ctr">
-            <a:noAutofit/>
-          </a:bodyPr>
-          <a:lstStyle/>
-          <a:p>
-            <a:pPr indent="0" algn="l">
-              <a:lnSpc>
-                <a:spcPct val="125000"/>
-              </a:lnSpc>
-              <a:defRPr/>
-            </a:pPr>
-            <a:r>
-              <a:rPr lang="en-US" sz="4100" b="1" i="0" u="none" strike="noStrike">
-                <a:solidFill>
-                  <a:srgbClr val="000000"/>
-                </a:solidFill>
-                <a:latin typeface="Noto Sans SC"/>
-                <a:ea typeface="Noto Sans SC"/>
-                <a:cs typeface="Noto Sans SC"/>
-                <a:sym typeface="Noto Sans SC"/>
-              </a:rPr>
-              <a:t>课时3. 排序</a:t>
-            </a:r>
-            <a:endParaRPr lang="en-US" sz="1100"/>
-          </a:p>
-        </p:txBody>
-      </p:sp>
-      <p:sp>
-        <p:nvSpPr>
-          <p:cNvPr id="3" name="AutoShape 3"/>
-          <p:cNvSpPr/>
-          <p:nvPr/>
-        </p:nvSpPr>
-        <p:spPr>
-          <a:xfrm>
-            <a:off x="4392097" y="454219"/>
-            <a:ext cx="6731000" cy="609600"/>
-          </a:xfrm>
-          <a:prstGeom prst="rect">
-            <a:avLst/>
-          </a:prstGeom>
-          <a:noFill/>
-          <a:ln w="12700">
-            <a:noFill/>
-            <a:prstDash val="solid"/>
-          </a:ln>
-        </p:spPr>
-        <p:txBody>
-          <a:bodyPr lIns="0" tIns="0" rIns="0" bIns="0" rtlCol="0" anchor="ctr">
-            <a:noAutofit/>
-          </a:bodyPr>
-          <a:lstStyle/>
-          <a:p>
-            <a:pPr indent="0" algn="l">
-              <a:lnSpc>
-                <a:spcPct val="125000"/>
-              </a:lnSpc>
-              <a:defRPr/>
-            </a:pPr>
-            <a:r>
-              <a:rPr lang="en-US" sz="3200" b="1" i="0" u="none" strike="noStrike">
-                <a:solidFill>
-                  <a:srgbClr val="1F2329"/>
-                </a:solidFill>
-                <a:latin typeface="Noto Sans SC"/>
-                <a:ea typeface="Noto Sans SC"/>
-                <a:cs typeface="Noto Sans SC"/>
-                <a:sym typeface="Noto Sans SC"/>
-              </a:rPr>
-              <a:t>【力扣 中等】</a:t>
-            </a:r>
-            <a:r>
-              <a:rPr lang="en-US" sz="3200" b="1" i="0" u="none" strike="noStrike">
-                <a:solidFill>
-                  <a:srgbClr val="1F2329"/>
-                </a:solidFill>
-                <a:latin typeface="Noto Sans SC"/>
-                <a:ea typeface="Noto Sans SC"/>
-                <a:cs typeface="Noto Sans SC"/>
-                <a:sym typeface="Noto Sans SC"/>
-                <a:hlinkClick r:id="rId3" tooltip="https://leetcode.cn/problems/queue-reconstruction-by-height/">
-                  <a:extLst>
-                    <a:ext uri="{A12FA001-AC4F-418D-AE19-62706E023703}">
-                      <ahyp:hlinkClr xmlns:ahyp="http://schemas.microsoft.com/office/drawing/2018/hyperlinkcolor" val="tx"/>
-                    </a:ext>
-                  </a:extLst>
-                </a:hlinkClick>
-              </a:rPr>
-              <a:t>406. 根据身高重建队列</a:t>
-            </a:r>
-            <a:endParaRPr lang="en-US" sz="1100"/>
-          </a:p>
-        </p:txBody>
-      </p:sp>
       <p:pic>
         <p:nvPicPr>
           <p:cNvPr id="4" name="Picture 4"/>
@@ -20260,7 +20272,7 @@
               <a:defRPr/>
             </a:pPr>
             <a:r>
-              <a:rPr lang="en-US" sz="4100" b="1" i="0" u="none" strike="noStrike">
+              <a:rPr lang="en-US" sz="4100" b="1" i="0" u="none" strike="noStrike" dirty="0" err="1">
                 <a:solidFill>
                   <a:srgbClr val="000000"/>
                 </a:solidFill>
@@ -20269,9 +20281,9 @@
                 <a:cs typeface="Noto Sans SC"/>
                 <a:sym typeface="Noto Sans SC"/>
               </a:rPr>
-              <a:t>课时3.拓展作业</a:t>
+              <a:t>拓展作业</a:t>
             </a:r>
-            <a:endParaRPr lang="en-US" sz="1100"/>
+            <a:endParaRPr lang="en-US" sz="1100" dirty="0"/>
           </a:p>
         </p:txBody>
       </p:sp>
@@ -20428,7 +20440,7 @@
               <a:defRPr/>
             </a:pPr>
             <a:r>
-              <a:rPr lang="en-US" sz="4100" b="1" i="0" u="none" strike="noStrike">
+              <a:rPr lang="en-US" sz="4100" b="1" i="0" u="none" strike="noStrike" dirty="0" err="1">
                 <a:solidFill>
                   <a:srgbClr val="000000"/>
                 </a:solidFill>
@@ -20437,9 +20449,9 @@
                 <a:cs typeface="Noto Sans SC"/>
                 <a:sym typeface="Noto Sans SC"/>
               </a:rPr>
-              <a:t>课时3.拓展作业</a:t>
+              <a:t>拓展作业</a:t>
             </a:r>
-            <a:endParaRPr lang="en-US" sz="1100"/>
+            <a:endParaRPr lang="en-US" sz="1100" dirty="0"/>
           </a:p>
         </p:txBody>
       </p:sp>
@@ -20796,7 +20808,7 @@
               <a:defRPr/>
             </a:pPr>
             <a:r>
-              <a:rPr lang="en-US" sz="4100" b="1" i="0" u="none" strike="noStrike">
+              <a:rPr lang="en-US" sz="4100" b="1" i="0" u="none" strike="noStrike" dirty="0" err="1">
                 <a:solidFill>
                   <a:srgbClr val="000000"/>
                 </a:solidFill>
@@ -20805,9 +20817,33 @@
                 <a:cs typeface="Noto Sans SC"/>
                 <a:sym typeface="Noto Sans SC"/>
               </a:rPr>
-              <a:t>课时3.贪心 &amp; 排序</a:t>
+              <a:t>贪心</a:t>
             </a:r>
-            <a:endParaRPr lang="en-US" sz="1100"/>
+            <a:r>
+              <a:rPr lang="en-US" sz="4100" b="1" i="0" u="none" strike="noStrike" dirty="0">
+                <a:solidFill>
+                  <a:srgbClr val="000000"/>
+                </a:solidFill>
+                <a:latin typeface="Noto Sans SC"/>
+                <a:ea typeface="Noto Sans SC"/>
+                <a:cs typeface="Noto Sans SC"/>
+                <a:sym typeface="Noto Sans SC"/>
+              </a:rPr>
+              <a:t> &amp; </a:t>
+            </a:r>
+            <a:r>
+              <a:rPr lang="en-US" sz="4100" b="1" i="0" u="none" strike="noStrike" dirty="0" err="1">
+                <a:solidFill>
+                  <a:srgbClr val="000000"/>
+                </a:solidFill>
+                <a:latin typeface="Noto Sans SC"/>
+                <a:ea typeface="Noto Sans SC"/>
+                <a:cs typeface="Noto Sans SC"/>
+                <a:sym typeface="Noto Sans SC"/>
+              </a:rPr>
+              <a:t>排序</a:t>
+            </a:r>
+            <a:endParaRPr lang="en-US" sz="1100" dirty="0"/>
           </a:p>
         </p:txBody>
       </p:sp>
@@ -21036,7 +21072,7 @@
               <a:defRPr/>
             </a:pPr>
             <a:r>
-              <a:rPr lang="en-US" sz="4100" b="1" i="0" u="none" strike="noStrike">
+              <a:rPr lang="en-US" sz="4100" b="1" i="0" u="none" strike="noStrike" dirty="0" err="1">
                 <a:solidFill>
                   <a:srgbClr val="000000"/>
                 </a:solidFill>
@@ -21045,9 +21081,33 @@
                 <a:cs typeface="Noto Sans SC"/>
                 <a:sym typeface="Noto Sans SC"/>
               </a:rPr>
-              <a:t>课时3.贪心 &amp; 排序</a:t>
+              <a:t>贪心</a:t>
             </a:r>
-            <a:endParaRPr lang="en-US" sz="1100"/>
+            <a:r>
+              <a:rPr lang="en-US" sz="4100" b="1" i="0" u="none" strike="noStrike" dirty="0">
+                <a:solidFill>
+                  <a:srgbClr val="000000"/>
+                </a:solidFill>
+                <a:latin typeface="Noto Sans SC"/>
+                <a:ea typeface="Noto Sans SC"/>
+                <a:cs typeface="Noto Sans SC"/>
+                <a:sym typeface="Noto Sans SC"/>
+              </a:rPr>
+              <a:t> &amp; </a:t>
+            </a:r>
+            <a:r>
+              <a:rPr lang="en-US" sz="4100" b="1" i="0" u="none" strike="noStrike" dirty="0" err="1">
+                <a:solidFill>
+                  <a:srgbClr val="000000"/>
+                </a:solidFill>
+                <a:latin typeface="Noto Sans SC"/>
+                <a:ea typeface="Noto Sans SC"/>
+                <a:cs typeface="Noto Sans SC"/>
+                <a:sym typeface="Noto Sans SC"/>
+              </a:rPr>
+              <a:t>排序</a:t>
+            </a:r>
+            <a:endParaRPr lang="en-US" sz="1100" dirty="0"/>
           </a:p>
         </p:txBody>
       </p:sp>
@@ -21185,7 +21245,7 @@
               <a:defRPr/>
             </a:pPr>
             <a:r>
-              <a:rPr lang="en-US" sz="4100" b="1" i="0" u="none" strike="noStrike">
+              <a:rPr lang="en-US" sz="4100" b="1" i="0" u="none" strike="noStrike" dirty="0" err="1">
                 <a:solidFill>
                   <a:srgbClr val="000000"/>
                 </a:solidFill>
@@ -21194,9 +21254,33 @@
                 <a:cs typeface="Noto Sans SC"/>
                 <a:sym typeface="Noto Sans SC"/>
               </a:rPr>
-              <a:t>课时3.贪心 &amp; 排序</a:t>
+              <a:t>贪心</a:t>
             </a:r>
-            <a:endParaRPr lang="en-US" sz="1100"/>
+            <a:r>
+              <a:rPr lang="en-US" sz="4100" b="1" i="0" u="none" strike="noStrike" dirty="0">
+                <a:solidFill>
+                  <a:srgbClr val="000000"/>
+                </a:solidFill>
+                <a:latin typeface="Noto Sans SC"/>
+                <a:ea typeface="Noto Sans SC"/>
+                <a:cs typeface="Noto Sans SC"/>
+                <a:sym typeface="Noto Sans SC"/>
+              </a:rPr>
+              <a:t> &amp; </a:t>
+            </a:r>
+            <a:r>
+              <a:rPr lang="en-US" sz="4100" b="1" i="0" u="none" strike="noStrike" dirty="0" err="1">
+                <a:solidFill>
+                  <a:srgbClr val="000000"/>
+                </a:solidFill>
+                <a:latin typeface="Noto Sans SC"/>
+                <a:ea typeface="Noto Sans SC"/>
+                <a:cs typeface="Noto Sans SC"/>
+                <a:sym typeface="Noto Sans SC"/>
+              </a:rPr>
+              <a:t>排序</a:t>
+            </a:r>
+            <a:endParaRPr lang="en-US" sz="1100" dirty="0"/>
           </a:p>
         </p:txBody>
       </p:sp>
@@ -21334,7 +21418,7 @@
               <a:defRPr/>
             </a:pPr>
             <a:r>
-              <a:rPr lang="en-US" sz="4100" b="1" i="0" u="none" strike="noStrike">
+              <a:rPr lang="en-US" sz="4100" b="1" i="0" u="none" strike="noStrike" dirty="0" err="1">
                 <a:solidFill>
                   <a:srgbClr val="000000"/>
                 </a:solidFill>
@@ -21343,9 +21427,33 @@
                 <a:cs typeface="Noto Sans SC"/>
                 <a:sym typeface="Noto Sans SC"/>
               </a:rPr>
-              <a:t>课时3.贪心 &amp; 排序</a:t>
+              <a:t>贪心</a:t>
             </a:r>
-            <a:endParaRPr lang="en-US" sz="1100"/>
+            <a:r>
+              <a:rPr lang="en-US" sz="4100" b="1" i="0" u="none" strike="noStrike" dirty="0">
+                <a:solidFill>
+                  <a:srgbClr val="000000"/>
+                </a:solidFill>
+                <a:latin typeface="Noto Sans SC"/>
+                <a:ea typeface="Noto Sans SC"/>
+                <a:cs typeface="Noto Sans SC"/>
+                <a:sym typeface="Noto Sans SC"/>
+              </a:rPr>
+              <a:t> &amp; </a:t>
+            </a:r>
+            <a:r>
+              <a:rPr lang="en-US" sz="4100" b="1" i="0" u="none" strike="noStrike" dirty="0" err="1">
+                <a:solidFill>
+                  <a:srgbClr val="000000"/>
+                </a:solidFill>
+                <a:latin typeface="Noto Sans SC"/>
+                <a:ea typeface="Noto Sans SC"/>
+                <a:cs typeface="Noto Sans SC"/>
+                <a:sym typeface="Noto Sans SC"/>
+              </a:rPr>
+              <a:t>排序</a:t>
+            </a:r>
+            <a:endParaRPr lang="en-US" sz="1100" dirty="0"/>
           </a:p>
         </p:txBody>
       </p:sp>
@@ -21485,7 +21593,7 @@
               <a:defRPr/>
             </a:pPr>
             <a:r>
-              <a:rPr lang="en-US" sz="4100" b="1" i="0" u="none" strike="noStrike">
+              <a:rPr lang="en-US" sz="4100" b="1" i="0" u="none" strike="noStrike" dirty="0" err="1">
                 <a:solidFill>
                   <a:srgbClr val="000000"/>
                 </a:solidFill>
@@ -21494,9 +21602,33 @@
                 <a:cs typeface="Noto Sans SC"/>
                 <a:sym typeface="Noto Sans SC"/>
               </a:rPr>
-              <a:t>课时3.贪心 &amp; 排序</a:t>
+              <a:t>贪心</a:t>
             </a:r>
-            <a:endParaRPr lang="en-US" sz="1100"/>
+            <a:r>
+              <a:rPr lang="en-US" sz="4100" b="1" i="0" u="none" strike="noStrike" dirty="0">
+                <a:solidFill>
+                  <a:srgbClr val="000000"/>
+                </a:solidFill>
+                <a:latin typeface="Noto Sans SC"/>
+                <a:ea typeface="Noto Sans SC"/>
+                <a:cs typeface="Noto Sans SC"/>
+                <a:sym typeface="Noto Sans SC"/>
+              </a:rPr>
+              <a:t> &amp; </a:t>
+            </a:r>
+            <a:r>
+              <a:rPr lang="en-US" sz="4100" b="1" i="0" u="none" strike="noStrike" dirty="0" err="1">
+                <a:solidFill>
+                  <a:srgbClr val="000000"/>
+                </a:solidFill>
+                <a:latin typeface="Noto Sans SC"/>
+                <a:ea typeface="Noto Sans SC"/>
+                <a:cs typeface="Noto Sans SC"/>
+                <a:sym typeface="Noto Sans SC"/>
+              </a:rPr>
+              <a:t>排序</a:t>
+            </a:r>
+            <a:endParaRPr lang="en-US" sz="1100" dirty="0"/>
           </a:p>
         </p:txBody>
       </p:sp>
@@ -21634,7 +21766,7 @@
               <a:defRPr/>
             </a:pPr>
             <a:r>
-              <a:rPr lang="en-US" sz="4100" b="1" i="0" u="none" strike="noStrike">
+              <a:rPr lang="en-US" sz="4100" b="1" i="0" u="none" strike="noStrike" dirty="0" err="1">
                 <a:solidFill>
                   <a:srgbClr val="000000"/>
                 </a:solidFill>
@@ -21643,9 +21775,33 @@
                 <a:cs typeface="Noto Sans SC"/>
                 <a:sym typeface="Noto Sans SC"/>
               </a:rPr>
-              <a:t>课时3.贪心 &amp; 排序</a:t>
+              <a:t>贪心</a:t>
             </a:r>
-            <a:endParaRPr lang="en-US" sz="1100"/>
+            <a:r>
+              <a:rPr lang="en-US" sz="4100" b="1" i="0" u="none" strike="noStrike" dirty="0">
+                <a:solidFill>
+                  <a:srgbClr val="000000"/>
+                </a:solidFill>
+                <a:latin typeface="Noto Sans SC"/>
+                <a:ea typeface="Noto Sans SC"/>
+                <a:cs typeface="Noto Sans SC"/>
+                <a:sym typeface="Noto Sans SC"/>
+              </a:rPr>
+              <a:t> &amp; </a:t>
+            </a:r>
+            <a:r>
+              <a:rPr lang="en-US" sz="4100" b="1" i="0" u="none" strike="noStrike" dirty="0" err="1">
+                <a:solidFill>
+                  <a:srgbClr val="000000"/>
+                </a:solidFill>
+                <a:latin typeface="Noto Sans SC"/>
+                <a:ea typeface="Noto Sans SC"/>
+                <a:cs typeface="Noto Sans SC"/>
+                <a:sym typeface="Noto Sans SC"/>
+              </a:rPr>
+              <a:t>排序</a:t>
+            </a:r>
+            <a:endParaRPr lang="en-US" sz="1100" dirty="0"/>
           </a:p>
         </p:txBody>
       </p:sp>
@@ -21785,7 +21941,7 @@
               <a:defRPr/>
             </a:pPr>
             <a:r>
-              <a:rPr lang="en-US" sz="4100" b="1" i="0" u="none" strike="noStrike">
+              <a:rPr lang="en-US" sz="4100" b="1" i="0" u="none" strike="noStrike" dirty="0" err="1">
                 <a:solidFill>
                   <a:srgbClr val="000000"/>
                 </a:solidFill>
@@ -21794,9 +21950,33 @@
                 <a:cs typeface="Noto Sans SC"/>
                 <a:sym typeface="Noto Sans SC"/>
               </a:rPr>
-              <a:t>课时3.贪心 &amp; 排序</a:t>
+              <a:t>贪心</a:t>
             </a:r>
-            <a:endParaRPr lang="en-US" sz="1100"/>
+            <a:r>
+              <a:rPr lang="en-US" sz="4100" b="1" i="0" u="none" strike="noStrike" dirty="0">
+                <a:solidFill>
+                  <a:srgbClr val="000000"/>
+                </a:solidFill>
+                <a:latin typeface="Noto Sans SC"/>
+                <a:ea typeface="Noto Sans SC"/>
+                <a:cs typeface="Noto Sans SC"/>
+                <a:sym typeface="Noto Sans SC"/>
+              </a:rPr>
+              <a:t> &amp; </a:t>
+            </a:r>
+            <a:r>
+              <a:rPr lang="en-US" sz="4100" b="1" i="0" u="none" strike="noStrike" dirty="0" err="1">
+                <a:solidFill>
+                  <a:srgbClr val="000000"/>
+                </a:solidFill>
+                <a:latin typeface="Noto Sans SC"/>
+                <a:ea typeface="Noto Sans SC"/>
+                <a:cs typeface="Noto Sans SC"/>
+                <a:sym typeface="Noto Sans SC"/>
+              </a:rPr>
+              <a:t>排序</a:t>
+            </a:r>
+            <a:endParaRPr lang="en-US" sz="1100" dirty="0"/>
           </a:p>
         </p:txBody>
       </p:sp>
